--- a/Drexel Marketplace.pptx
+++ b/Drexel Marketplace.pptx
@@ -10,6 +10,7 @@
     <p:sldId id="258" r:id="rId4"/>
     <p:sldId id="260" r:id="rId5"/>
     <p:sldId id="261" r:id="rId6"/>
+    <p:sldId id="262" r:id="rId7"/>
   </p:sldIdLst>
   <p:sldSz cx="12192000" cy="6858000"/>
   <p:notesSz cx="6858000" cy="9144000"/>
@@ -108,7 +109,119 @@
       </a:defRPr>
     </a:lvl9pPr>
   </p:defaultTextStyle>
+  <p:extLst>
+    <p:ext uri="{EFAFB233-063F-42B5-8137-9DF3F51BA10A}">
+      <p15:sldGuideLst xmlns:p15="http://schemas.microsoft.com/office/powerpoint/2012/main"/>
+    </p:ext>
+  </p:extLst>
 </p:presentation>
+</file>
+
+<file path=ppt/revisionInfo.xml><?xml version="1.0" encoding="utf-8"?>
+<p1510:revInfo xmlns:a="http://schemas.openxmlformats.org/drawingml/2006/main" xmlns:r="http://schemas.openxmlformats.org/officeDocument/2006/relationships" xmlns:p1510="http://schemas.microsoft.com/office/powerpoint/2015/10/main">
+  <p1510:revLst>
+    <p1510:client id="{E2D6822C-50B5-4E14-B3CD-03D0C5972AA9}" v="4" dt="2024-03-10T19:08:12.103"/>
+  </p1510:revLst>
+</p1510:revInfo>
+</file>
+
+<file path=ppt/changesInfos/changesInfo1.xml><?xml version="1.0" encoding="utf-8"?>
+<pc:chgInfo xmlns:a="http://schemas.openxmlformats.org/drawingml/2006/main" xmlns:r="http://schemas.openxmlformats.org/officeDocument/2006/relationships" xmlns:ac="http://schemas.microsoft.com/office/drawing/2013/main/command" xmlns:pc="http://schemas.microsoft.com/office/powerpoint/2013/main/command">
+  <pc:docChgLst>
+    <pc:chgData name="Hung Do" userId="7989c860e8374fc5" providerId="LiveId" clId="{E2D6822C-50B5-4E14-B3CD-03D0C5972AA9}"/>
+    <pc:docChg chg="custSel addSld modSld">
+      <pc:chgData name="Hung Do" userId="7989c860e8374fc5" providerId="LiveId" clId="{E2D6822C-50B5-4E14-B3CD-03D0C5972AA9}" dt="2024-03-10T19:08:39.002" v="49" actId="1076"/>
+      <pc:docMkLst>
+        <pc:docMk/>
+      </pc:docMkLst>
+      <pc:sldChg chg="modSp mod">
+        <pc:chgData name="Hung Do" userId="7989c860e8374fc5" providerId="LiveId" clId="{E2D6822C-50B5-4E14-B3CD-03D0C5972AA9}" dt="2024-03-10T19:02:25.835" v="1" actId="20577"/>
+        <pc:sldMkLst>
+          <pc:docMk/>
+          <pc:sldMk cId="2659010466" sldId="259"/>
+        </pc:sldMkLst>
+        <pc:spChg chg="mod">
+          <ac:chgData name="Hung Do" userId="7989c860e8374fc5" providerId="LiveId" clId="{E2D6822C-50B5-4E14-B3CD-03D0C5972AA9}" dt="2024-03-10T19:02:25.835" v="1" actId="20577"/>
+          <ac:spMkLst>
+            <pc:docMk/>
+            <pc:sldMk cId="2659010466" sldId="259"/>
+            <ac:spMk id="3" creationId="{9309406D-1DCD-2F4A-B417-AB3606324A2E}"/>
+          </ac:spMkLst>
+        </pc:spChg>
+      </pc:sldChg>
+      <pc:sldChg chg="addSp modSp mod">
+        <pc:chgData name="Hung Do" userId="7989c860e8374fc5" providerId="LiveId" clId="{E2D6822C-50B5-4E14-B3CD-03D0C5972AA9}" dt="2024-03-10T19:08:39.002" v="49" actId="1076"/>
+        <pc:sldMkLst>
+          <pc:docMk/>
+          <pc:sldMk cId="1174151158" sldId="260"/>
+        </pc:sldMkLst>
+        <pc:spChg chg="mod">
+          <ac:chgData name="Hung Do" userId="7989c860e8374fc5" providerId="LiveId" clId="{E2D6822C-50B5-4E14-B3CD-03D0C5972AA9}" dt="2024-03-10T19:02:02.190" v="0" actId="20577"/>
+          <ac:spMkLst>
+            <pc:docMk/>
+            <pc:sldMk cId="1174151158" sldId="260"/>
+            <ac:spMk id="3" creationId="{D91A52DA-6931-AC47-279C-718EFDBC4640}"/>
+          </ac:spMkLst>
+        </pc:spChg>
+        <pc:picChg chg="add mod">
+          <ac:chgData name="Hung Do" userId="7989c860e8374fc5" providerId="LiveId" clId="{E2D6822C-50B5-4E14-B3CD-03D0C5972AA9}" dt="2024-03-10T19:08:36.695" v="48" actId="1076"/>
+          <ac:picMkLst>
+            <pc:docMk/>
+            <pc:sldMk cId="1174151158" sldId="260"/>
+            <ac:picMk id="5" creationId="{37C43BC4-2B57-E425-4CCC-CAF763BDA23D}"/>
+          </ac:picMkLst>
+        </pc:picChg>
+        <pc:picChg chg="add mod">
+          <ac:chgData name="Hung Do" userId="7989c860e8374fc5" providerId="LiveId" clId="{E2D6822C-50B5-4E14-B3CD-03D0C5972AA9}" dt="2024-03-10T19:08:39.002" v="49" actId="1076"/>
+          <ac:picMkLst>
+            <pc:docMk/>
+            <pc:sldMk cId="1174151158" sldId="260"/>
+            <ac:picMk id="7" creationId="{93818FEC-F4F5-3C36-E574-7EEA597AC3B2}"/>
+          </ac:picMkLst>
+        </pc:picChg>
+        <pc:picChg chg="add mod">
+          <ac:chgData name="Hung Do" userId="7989c860e8374fc5" providerId="LiveId" clId="{E2D6822C-50B5-4E14-B3CD-03D0C5972AA9}" dt="2024-03-10T19:08:27.536" v="44" actId="1076"/>
+          <ac:picMkLst>
+            <pc:docMk/>
+            <pc:sldMk cId="1174151158" sldId="260"/>
+            <ac:picMk id="9" creationId="{C9556B36-1E1B-D786-90F9-495E97A6473D}"/>
+          </ac:picMkLst>
+        </pc:picChg>
+      </pc:sldChg>
+      <pc:sldChg chg="addSp delSp modSp add mod">
+        <pc:chgData name="Hung Do" userId="7989c860e8374fc5" providerId="LiveId" clId="{E2D6822C-50B5-4E14-B3CD-03D0C5972AA9}" dt="2024-03-10T19:07:14.706" v="25" actId="478"/>
+        <pc:sldMkLst>
+          <pc:docMk/>
+          <pc:sldMk cId="3129356494" sldId="262"/>
+        </pc:sldMkLst>
+        <pc:spChg chg="mod">
+          <ac:chgData name="Hung Do" userId="7989c860e8374fc5" providerId="LiveId" clId="{E2D6822C-50B5-4E14-B3CD-03D0C5972AA9}" dt="2024-03-10T19:07:07.139" v="23" actId="20577"/>
+          <ac:spMkLst>
+            <pc:docMk/>
+            <pc:sldMk cId="3129356494" sldId="262"/>
+            <ac:spMk id="2" creationId="{0C0A16C9-110B-166F-738F-4E010797DC30}"/>
+          </ac:spMkLst>
+        </pc:spChg>
+        <pc:spChg chg="del">
+          <ac:chgData name="Hung Do" userId="7989c860e8374fc5" providerId="LiveId" clId="{E2D6822C-50B5-4E14-B3CD-03D0C5972AA9}" dt="2024-03-10T19:07:09.955" v="24" actId="478"/>
+          <ac:spMkLst>
+            <pc:docMk/>
+            <pc:sldMk cId="3129356494" sldId="262"/>
+            <ac:spMk id="3" creationId="{FB17CC19-7A9F-7D4C-C699-231B17E62AEF}"/>
+          </ac:spMkLst>
+        </pc:spChg>
+        <pc:spChg chg="add del mod">
+          <ac:chgData name="Hung Do" userId="7989c860e8374fc5" providerId="LiveId" clId="{E2D6822C-50B5-4E14-B3CD-03D0C5972AA9}" dt="2024-03-10T19:07:14.706" v="25" actId="478"/>
+          <ac:spMkLst>
+            <pc:docMk/>
+            <pc:sldMk cId="3129356494" sldId="262"/>
+            <ac:spMk id="5" creationId="{E27DF9A6-95DB-DCCF-6F2B-71E42FAC3FAD}"/>
+          </ac:spMkLst>
+        </pc:spChg>
+      </pc:sldChg>
+    </pc:docChg>
+  </pc:docChgLst>
+</pc:chgInfo>
 </file>
 
 <file path=ppt/slideLayouts/slideLayout1.xml><?xml version="1.0" encoding="utf-8"?>
@@ -258,7 +371,7 @@
           <a:p>
             <a:fld id="{CBF95A9A-AB55-4DCD-B22D-45E1DC27EF23}" type="datetimeFigureOut">
               <a:rPr lang="en-US" smtClean="0"/>
-              <a:t>3/6/2024</a:t>
+              <a:t>3/10/2024</a:t>
             </a:fld>
             <a:endParaRPr lang="en-US"/>
           </a:p>
@@ -456,7 +569,7 @@
           <a:p>
             <a:fld id="{CBF95A9A-AB55-4DCD-B22D-45E1DC27EF23}" type="datetimeFigureOut">
               <a:rPr lang="en-US" smtClean="0"/>
-              <a:t>3/6/2024</a:t>
+              <a:t>3/10/2024</a:t>
             </a:fld>
             <a:endParaRPr lang="en-US"/>
           </a:p>
@@ -664,7 +777,7 @@
           <a:p>
             <a:fld id="{CBF95A9A-AB55-4DCD-B22D-45E1DC27EF23}" type="datetimeFigureOut">
               <a:rPr lang="en-US" smtClean="0"/>
-              <a:t>3/6/2024</a:t>
+              <a:t>3/10/2024</a:t>
             </a:fld>
             <a:endParaRPr lang="en-US"/>
           </a:p>
@@ -862,7 +975,7 @@
           <a:p>
             <a:fld id="{CBF95A9A-AB55-4DCD-B22D-45E1DC27EF23}" type="datetimeFigureOut">
               <a:rPr lang="en-US" smtClean="0"/>
-              <a:t>3/6/2024</a:t>
+              <a:t>3/10/2024</a:t>
             </a:fld>
             <a:endParaRPr lang="en-US"/>
           </a:p>
@@ -1137,7 +1250,7 @@
           <a:p>
             <a:fld id="{CBF95A9A-AB55-4DCD-B22D-45E1DC27EF23}" type="datetimeFigureOut">
               <a:rPr lang="en-US" smtClean="0"/>
-              <a:t>3/6/2024</a:t>
+              <a:t>3/10/2024</a:t>
             </a:fld>
             <a:endParaRPr lang="en-US"/>
           </a:p>
@@ -1402,7 +1515,7 @@
           <a:p>
             <a:fld id="{CBF95A9A-AB55-4DCD-B22D-45E1DC27EF23}" type="datetimeFigureOut">
               <a:rPr lang="en-US" smtClean="0"/>
-              <a:t>3/6/2024</a:t>
+              <a:t>3/10/2024</a:t>
             </a:fld>
             <a:endParaRPr lang="en-US"/>
           </a:p>
@@ -1814,7 +1927,7 @@
           <a:p>
             <a:fld id="{CBF95A9A-AB55-4DCD-B22D-45E1DC27EF23}" type="datetimeFigureOut">
               <a:rPr lang="en-US" smtClean="0"/>
-              <a:t>3/6/2024</a:t>
+              <a:t>3/10/2024</a:t>
             </a:fld>
             <a:endParaRPr lang="en-US"/>
           </a:p>
@@ -1955,7 +2068,7 @@
           <a:p>
             <a:fld id="{CBF95A9A-AB55-4DCD-B22D-45E1DC27EF23}" type="datetimeFigureOut">
               <a:rPr lang="en-US" smtClean="0"/>
-              <a:t>3/6/2024</a:t>
+              <a:t>3/10/2024</a:t>
             </a:fld>
             <a:endParaRPr lang="en-US"/>
           </a:p>
@@ -2068,7 +2181,7 @@
           <a:p>
             <a:fld id="{CBF95A9A-AB55-4DCD-B22D-45E1DC27EF23}" type="datetimeFigureOut">
               <a:rPr lang="en-US" smtClean="0"/>
-              <a:t>3/6/2024</a:t>
+              <a:t>3/10/2024</a:t>
             </a:fld>
             <a:endParaRPr lang="en-US"/>
           </a:p>
@@ -2379,7 +2492,7 @@
           <a:p>
             <a:fld id="{CBF95A9A-AB55-4DCD-B22D-45E1DC27EF23}" type="datetimeFigureOut">
               <a:rPr lang="en-US" smtClean="0"/>
-              <a:t>3/6/2024</a:t>
+              <a:t>3/10/2024</a:t>
             </a:fld>
             <a:endParaRPr lang="en-US"/>
           </a:p>
@@ -2667,7 +2780,7 @@
           <a:p>
             <a:fld id="{CBF95A9A-AB55-4DCD-B22D-45E1DC27EF23}" type="datetimeFigureOut">
               <a:rPr lang="en-US" smtClean="0"/>
-              <a:t>3/6/2024</a:t>
+              <a:t>3/10/2024</a:t>
             </a:fld>
             <a:endParaRPr lang="en-US"/>
           </a:p>
@@ -2908,7 +3021,7 @@
           <a:p>
             <a:fld id="{CBF95A9A-AB55-4DCD-B22D-45E1DC27EF23}" type="datetimeFigureOut">
               <a:rPr lang="en-US" smtClean="0"/>
-              <a:t>3/6/2024</a:t>
+              <a:t>3/10/2024</a:t>
             </a:fld>
             <a:endParaRPr lang="en-US"/>
           </a:p>
@@ -3485,7 +3598,7 @@
           <a:p>
             <a:r>
               <a:rPr lang="en-US" dirty="0"/>
-              <a:t> Purpose: Facilitate a safe, secure, and convenient environment for exchanging goods. </a:t>
+              <a:t>Purpose: Facilitate a safe, secure, and convenient environment for exchanging goods. </a:t>
             </a:r>
           </a:p>
           <a:p>
@@ -3688,7 +3801,7 @@
           <a:p>
             <a:r>
               <a:rPr lang="en-US" dirty="0"/>
-              <a:t> Back-end: Node.js with Express for server-side logic. </a:t>
+              <a:t>Back-end: Node.js with Express for server-side logic. </a:t>
             </a:r>
           </a:p>
           <a:p>
@@ -3699,6 +3812,114 @@
           </a:p>
         </p:txBody>
       </p:sp>
+      <p:pic>
+        <p:nvPicPr>
+          <p:cNvPr id="5" name="Picture 4" descr="A red and white logo&#10;&#10;Description automatically generated">
+            <a:extLst>
+              <a:ext uri="{FF2B5EF4-FFF2-40B4-BE49-F238E27FC236}">
+                <a16:creationId xmlns:a16="http://schemas.microsoft.com/office/drawing/2014/main" id="{37C43BC4-2B57-E425-4CCC-CAF763BDA23D}"/>
+              </a:ext>
+            </a:extLst>
+          </p:cNvPr>
+          <p:cNvPicPr>
+            <a:picLocks noChangeAspect="1"/>
+          </p:cNvPicPr>
+          <p:nvPr/>
+        </p:nvPicPr>
+        <p:blipFill>
+          <a:blip r:embed="rId2">
+            <a:extLst>
+              <a:ext uri="{28A0092B-C50C-407E-A947-70E740481C1C}">
+                <a14:useLocalDpi xmlns:a14="http://schemas.microsoft.com/office/drawing/2010/main" val="0"/>
+              </a:ext>
+            </a:extLst>
+          </a:blip>
+          <a:stretch>
+            <a:fillRect/>
+          </a:stretch>
+        </p:blipFill>
+        <p:spPr>
+          <a:xfrm>
+            <a:off x="236754" y="3637211"/>
+            <a:ext cx="3875300" cy="2587921"/>
+          </a:xfrm>
+          <a:prstGeom prst="rect">
+            <a:avLst/>
+          </a:prstGeom>
+        </p:spPr>
+      </p:pic>
+      <p:pic>
+        <p:nvPicPr>
+          <p:cNvPr id="7" name="Picture 6" descr="A group of logos on a black background&#10;&#10;Description automatically generated">
+            <a:extLst>
+              <a:ext uri="{FF2B5EF4-FFF2-40B4-BE49-F238E27FC236}">
+                <a16:creationId xmlns:a16="http://schemas.microsoft.com/office/drawing/2014/main" id="{93818FEC-F4F5-3C36-E574-7EEA597AC3B2}"/>
+              </a:ext>
+            </a:extLst>
+          </p:cNvPr>
+          <p:cNvPicPr>
+            <a:picLocks noChangeAspect="1"/>
+          </p:cNvPicPr>
+          <p:nvPr/>
+        </p:nvPicPr>
+        <p:blipFill>
+          <a:blip r:embed="rId3">
+            <a:extLst>
+              <a:ext uri="{28A0092B-C50C-407E-A947-70E740481C1C}">
+                <a14:useLocalDpi xmlns:a14="http://schemas.microsoft.com/office/drawing/2010/main" val="0"/>
+              </a:ext>
+            </a:extLst>
+          </a:blip>
+          <a:stretch>
+            <a:fillRect/>
+          </a:stretch>
+        </p:blipFill>
+        <p:spPr>
+          <a:xfrm>
+            <a:off x="4291799" y="4017993"/>
+            <a:ext cx="3608402" cy="2207139"/>
+          </a:xfrm>
+          <a:prstGeom prst="rect">
+            <a:avLst/>
+          </a:prstGeom>
+        </p:spPr>
+      </p:pic>
+      <p:pic>
+        <p:nvPicPr>
+          <p:cNvPr id="9" name="Picture 8" descr="A green leaf with blue text&#10;&#10;Description automatically generated">
+            <a:extLst>
+              <a:ext uri="{FF2B5EF4-FFF2-40B4-BE49-F238E27FC236}">
+                <a16:creationId xmlns:a16="http://schemas.microsoft.com/office/drawing/2014/main" id="{C9556B36-1E1B-D786-90F9-495E97A6473D}"/>
+              </a:ext>
+            </a:extLst>
+          </p:cNvPr>
+          <p:cNvPicPr>
+            <a:picLocks noChangeAspect="1"/>
+          </p:cNvPicPr>
+          <p:nvPr/>
+        </p:nvPicPr>
+        <p:blipFill>
+          <a:blip r:embed="rId4">
+            <a:extLst>
+              <a:ext uri="{28A0092B-C50C-407E-A947-70E740481C1C}">
+                <a14:useLocalDpi xmlns:a14="http://schemas.microsoft.com/office/drawing/2010/main" val="0"/>
+              </a:ext>
+            </a:extLst>
+          </a:blip>
+          <a:stretch>
+            <a:fillRect/>
+          </a:stretch>
+        </p:blipFill>
+        <p:spPr>
+          <a:xfrm>
+            <a:off x="8025829" y="3508489"/>
+            <a:ext cx="3929417" cy="3008460"/>
+          </a:xfrm>
+          <a:prstGeom prst="rect">
+            <a:avLst/>
+          </a:prstGeom>
+        </p:spPr>
+      </p:pic>
     </p:spTree>
     <p:extLst>
       <p:ext uri="{BB962C8B-B14F-4D97-AF65-F5344CB8AC3E}">
@@ -3846,6 +4067,64 @@
     <p:extLst>
       <p:ext uri="{BB962C8B-B14F-4D97-AF65-F5344CB8AC3E}">
         <p14:creationId xmlns:p14="http://schemas.microsoft.com/office/powerpoint/2010/main" val="1144639099"/>
+      </p:ext>
+    </p:extLst>
+  </p:cSld>
+  <p:clrMapOvr>
+    <a:masterClrMapping/>
+  </p:clrMapOvr>
+</p:sld>
+</file>
+
+<file path=ppt/slides/slide6.xml><?xml version="1.0" encoding="utf-8"?>
+<p:sld xmlns:a="http://schemas.openxmlformats.org/drawingml/2006/main" xmlns:r="http://schemas.openxmlformats.org/officeDocument/2006/relationships" xmlns:p="http://schemas.openxmlformats.org/presentationml/2006/main">
+  <p:cSld>
+    <p:spTree>
+      <p:nvGrpSpPr>
+        <p:cNvPr id="1" name=""/>
+        <p:cNvGrpSpPr/>
+        <p:nvPr/>
+      </p:nvGrpSpPr>
+      <p:grpSpPr>
+        <a:xfrm>
+          <a:off x="0" y="0"/>
+          <a:ext cx="0" cy="0"/>
+          <a:chOff x="0" y="0"/>
+          <a:chExt cx="0" cy="0"/>
+        </a:xfrm>
+      </p:grpSpPr>
+      <p:sp>
+        <p:nvSpPr>
+          <p:cNvPr id="2" name="Title 1">
+            <a:extLst>
+              <a:ext uri="{FF2B5EF4-FFF2-40B4-BE49-F238E27FC236}">
+                <a16:creationId xmlns:a16="http://schemas.microsoft.com/office/drawing/2014/main" id="{0C0A16C9-110B-166F-738F-4E010797DC30}"/>
+              </a:ext>
+            </a:extLst>
+          </p:cNvPr>
+          <p:cNvSpPr>
+            <a:spLocks noGrp="1"/>
+          </p:cNvSpPr>
+          <p:nvPr>
+            <p:ph type="ctrTitle"/>
+          </p:nvPr>
+        </p:nvSpPr>
+        <p:spPr/>
+        <p:txBody>
+          <a:bodyPr/>
+          <a:lstStyle/>
+          <a:p>
+            <a:r>
+              <a:rPr lang="en-US" dirty="0"/>
+              <a:t>Project Demo</a:t>
+            </a:r>
+          </a:p>
+        </p:txBody>
+      </p:sp>
+    </p:spTree>
+    <p:extLst>
+      <p:ext uri="{BB962C8B-B14F-4D97-AF65-F5344CB8AC3E}">
+        <p14:creationId xmlns:p14="http://schemas.microsoft.com/office/powerpoint/2010/main" val="3129356494"/>
       </p:ext>
     </p:extLst>
   </p:cSld>

--- a/Drexel Marketplace.pptx
+++ b/Drexel Marketplace.pptx
@@ -371,7 +371,7 @@
           <a:p>
             <a:fld id="{CBF95A9A-AB55-4DCD-B22D-45E1DC27EF23}" type="datetimeFigureOut">
               <a:rPr lang="en-US" smtClean="0"/>
-              <a:t>3/10/2024</a:t>
+              <a:t>3/11/2024</a:t>
             </a:fld>
             <a:endParaRPr lang="en-US"/>
           </a:p>
@@ -569,7 +569,7 @@
           <a:p>
             <a:fld id="{CBF95A9A-AB55-4DCD-B22D-45E1DC27EF23}" type="datetimeFigureOut">
               <a:rPr lang="en-US" smtClean="0"/>
-              <a:t>3/10/2024</a:t>
+              <a:t>3/11/2024</a:t>
             </a:fld>
             <a:endParaRPr lang="en-US"/>
           </a:p>
@@ -777,7 +777,7 @@
           <a:p>
             <a:fld id="{CBF95A9A-AB55-4DCD-B22D-45E1DC27EF23}" type="datetimeFigureOut">
               <a:rPr lang="en-US" smtClean="0"/>
-              <a:t>3/10/2024</a:t>
+              <a:t>3/11/2024</a:t>
             </a:fld>
             <a:endParaRPr lang="en-US"/>
           </a:p>
@@ -975,7 +975,7 @@
           <a:p>
             <a:fld id="{CBF95A9A-AB55-4DCD-B22D-45E1DC27EF23}" type="datetimeFigureOut">
               <a:rPr lang="en-US" smtClean="0"/>
-              <a:t>3/10/2024</a:t>
+              <a:t>3/11/2024</a:t>
             </a:fld>
             <a:endParaRPr lang="en-US"/>
           </a:p>
@@ -1250,7 +1250,7 @@
           <a:p>
             <a:fld id="{CBF95A9A-AB55-4DCD-B22D-45E1DC27EF23}" type="datetimeFigureOut">
               <a:rPr lang="en-US" smtClean="0"/>
-              <a:t>3/10/2024</a:t>
+              <a:t>3/11/2024</a:t>
             </a:fld>
             <a:endParaRPr lang="en-US"/>
           </a:p>
@@ -1515,7 +1515,7 @@
           <a:p>
             <a:fld id="{CBF95A9A-AB55-4DCD-B22D-45E1DC27EF23}" type="datetimeFigureOut">
               <a:rPr lang="en-US" smtClean="0"/>
-              <a:t>3/10/2024</a:t>
+              <a:t>3/11/2024</a:t>
             </a:fld>
             <a:endParaRPr lang="en-US"/>
           </a:p>
@@ -1927,7 +1927,7 @@
           <a:p>
             <a:fld id="{CBF95A9A-AB55-4DCD-B22D-45E1DC27EF23}" type="datetimeFigureOut">
               <a:rPr lang="en-US" smtClean="0"/>
-              <a:t>3/10/2024</a:t>
+              <a:t>3/11/2024</a:t>
             </a:fld>
             <a:endParaRPr lang="en-US"/>
           </a:p>
@@ -2068,7 +2068,7 @@
           <a:p>
             <a:fld id="{CBF95A9A-AB55-4DCD-B22D-45E1DC27EF23}" type="datetimeFigureOut">
               <a:rPr lang="en-US" smtClean="0"/>
-              <a:t>3/10/2024</a:t>
+              <a:t>3/11/2024</a:t>
             </a:fld>
             <a:endParaRPr lang="en-US"/>
           </a:p>
@@ -2181,7 +2181,7 @@
           <a:p>
             <a:fld id="{CBF95A9A-AB55-4DCD-B22D-45E1DC27EF23}" type="datetimeFigureOut">
               <a:rPr lang="en-US" smtClean="0"/>
-              <a:t>3/10/2024</a:t>
+              <a:t>3/11/2024</a:t>
             </a:fld>
             <a:endParaRPr lang="en-US"/>
           </a:p>
@@ -2492,7 +2492,7 @@
           <a:p>
             <a:fld id="{CBF95A9A-AB55-4DCD-B22D-45E1DC27EF23}" type="datetimeFigureOut">
               <a:rPr lang="en-US" smtClean="0"/>
-              <a:t>3/10/2024</a:t>
+              <a:t>3/11/2024</a:t>
             </a:fld>
             <a:endParaRPr lang="en-US"/>
           </a:p>
@@ -2780,7 +2780,7 @@
           <a:p>
             <a:fld id="{CBF95A9A-AB55-4DCD-B22D-45E1DC27EF23}" type="datetimeFigureOut">
               <a:rPr lang="en-US" smtClean="0"/>
-              <a:t>3/10/2024</a:t>
+              <a:t>3/11/2024</a:t>
             </a:fld>
             <a:endParaRPr lang="en-US"/>
           </a:p>
@@ -3021,7 +3021,7 @@
           <a:p>
             <a:fld id="{CBF95A9A-AB55-4DCD-B22D-45E1DC27EF23}" type="datetimeFigureOut">
               <a:rPr lang="en-US" smtClean="0"/>
-              <a:t>3/10/2024</a:t>
+              <a:t>3/11/2024</a:t>
             </a:fld>
             <a:endParaRPr lang="en-US"/>
           </a:p>
@@ -3790,23 +3790,31 @@
         </p:nvSpPr>
         <p:spPr/>
         <p:txBody>
-          <a:bodyPr/>
-          <a:lstStyle/>
-          <a:p>
-            <a:r>
-              <a:rPr lang="en-US" dirty="0"/>
-              <a:t>Technologies Used: Front-end: Angular for a dynamic and responsive user interface.</a:t>
-            </a:r>
-          </a:p>
-          <a:p>
-            <a:r>
-              <a:rPr lang="en-US" dirty="0"/>
+          <a:bodyPr>
+            <a:normAutofit/>
+          </a:bodyPr>
+          <a:lstStyle/>
+          <a:p>
+            <a:r>
+              <a:rPr lang="en-US" sz="2400" dirty="0"/>
+              <a:t>Technologies Used: MEAN Stack (MongoDB, Express, Angular, Node)</a:t>
+            </a:r>
+          </a:p>
+          <a:p>
+            <a:r>
+              <a:rPr lang="en-US" sz="2400" dirty="0"/>
+              <a:t>Front-end: Angular for a dynamic and responsive user interface.</a:t>
+            </a:r>
+          </a:p>
+          <a:p>
+            <a:r>
+              <a:rPr lang="en-US" sz="2400" dirty="0"/>
               <a:t>Back-end: Node.js with Express for server-side logic. </a:t>
             </a:r>
           </a:p>
           <a:p>
             <a:r>
-              <a:rPr lang="en-US" dirty="0"/>
+              <a:rPr lang="en-US" sz="2400" dirty="0"/>
               <a:t>Database: MongoDB for storing user and product data.</a:t>
             </a:r>
           </a:p>
@@ -4014,16 +4022,8 @@
           <a:p>
             <a:pPr lvl="1"/>
             <a:r>
-              <a:rPr lang="en-US"/>
-              <a:t>Saves </a:t>
-            </a:r>
-            <a:r>
               <a:rPr lang="en-US" dirty="0"/>
-              <a:t>money for students through second-hand </a:t>
-            </a:r>
-            <a:r>
-              <a:rPr lang="en-US"/>
-              <a:t>deals.</a:t>
+              <a:t>Saves money for students through second-hand deals.</a:t>
             </a:r>
           </a:p>
           <a:p>
